--- a/Intro to F#.pptx
+++ b/Intro to F#.pptx
@@ -2998,11 +2998,7 @@
           <a:p>
             <a:r>
               <a:rPr lang="en-GB" b="1" dirty="0" smtClean="0"/>
-              <a:t>A Brief Introduction to F</a:t>
-            </a:r>
-            <a:r>
-              <a:rPr lang="en-GB" b="1" dirty="0" smtClean="0"/>
-              <a:t>#</a:t>
+              <a:t>A Brief Introduction to F#</a:t>
             </a:r>
             <a:endParaRPr lang="en-GB" b="1" dirty="0"/>
           </a:p>
@@ -3218,6 +3214,13 @@
   <p:clrMapOvr>
     <a:masterClrMapping/>
   </p:clrMapOvr>
+  <p:timing>
+    <p:tnLst>
+      <p:par>
+        <p:cTn id="1" dur="indefinite" restart="never" nodeType="tmRoot"/>
+      </p:par>
+    </p:tnLst>
+  </p:timing>
 </p:sld>
 </file>
 
@@ -3438,6 +3441,13 @@
   <p:clrMapOvr>
     <a:masterClrMapping/>
   </p:clrMapOvr>
+  <p:timing>
+    <p:tnLst>
+      <p:par>
+        <p:cTn id="1" dur="indefinite" restart="never" nodeType="tmRoot"/>
+      </p:par>
+    </p:tnLst>
+  </p:timing>
 </p:sld>
 </file>
 
@@ -5797,11 +5807,7 @@
           <a:p>
             <a:r>
               <a:rPr lang="en-GB" dirty="0" smtClean="0"/>
-              <a:t>Extensive type inference (Hindley-Milner</a:t>
-            </a:r>
-            <a:r>
-              <a:rPr lang="en-GB" dirty="0" smtClean="0"/>
-              <a:t>)</a:t>
+              <a:t>Extensive type inference (Hindley-Milner)</a:t>
             </a:r>
           </a:p>
           <a:p>
@@ -5809,7 +5815,6 @@
               <a:rPr lang="en-GB" dirty="0" smtClean="0"/>
               <a:t>Eager evaluation</a:t>
             </a:r>
-            <a:endParaRPr lang="en-GB" dirty="0" smtClean="0"/>
           </a:p>
           <a:p>
             <a:r>
@@ -5819,12 +5824,12 @@
           </a:p>
           <a:p>
             <a:r>
-              <a:rPr lang="en-GB" dirty="0" err="1" smtClean="0"/>
-              <a:t>Atomatic</a:t>
-            </a:r>
-            <a:r>
               <a:rPr lang="en-GB" dirty="0" smtClean="0"/>
-              <a:t> currying</a:t>
+              <a:t>Automatic </a:t>
+            </a:r>
+            <a:r>
+              <a:rPr lang="en-GB" dirty="0" smtClean="0"/>
+              <a:t>currying</a:t>
             </a:r>
           </a:p>
           <a:p>
@@ -5834,11 +5839,7 @@
             </a:r>
             <a:r>
               <a:rPr lang="en-GB" dirty="0" smtClean="0"/>
-              <a:t>artial </a:t>
-            </a:r>
-            <a:r>
-              <a:rPr lang="en-GB" dirty="0" smtClean="0"/>
-              <a:t>application</a:t>
+              <a:t>artial application</a:t>
             </a:r>
           </a:p>
           <a:p>
